--- a/Presentations/presentation_02_feedback.pptx
+++ b/Presentations/presentation_02_feedback.pptx
@@ -225,7 +225,7 @@
           <a:effectLst/>
           <a:extLst>
             <a:ext uri="{91240B29-F687-4f45-9708-019B960494DF}">
-              <a14:hiddenLine xmlns:a14="http://schemas.microsoft.com/office/drawing/2010/main" xmlns="" w="9525">
+              <a14:hiddenLine xmlns="" xmlns:a14="http://schemas.microsoft.com/office/drawing/2010/main" w="9525">
                 <a:solidFill>
                   <a:srgbClr val="000000"/>
                 </a:solidFill>
@@ -417,7 +417,7 @@
           <a:p>
             <a:fld id="{6BE45214-D4A0-4813-8B6B-010D3C61B6E3}" type="datetimeFigureOut">
               <a:rPr lang="en-GB" smtClean="0"/>
-              <a:t>11/11/2018</a:t>
+              <a:t>12/11/2018</a:t>
             </a:fld>
             <a:endParaRPr lang="en-GB"/>
           </a:p>
@@ -740,7 +740,7 @@
           <a:p>
             <a:fld id="{6BE45214-D4A0-4813-8B6B-010D3C61B6E3}" type="datetimeFigureOut">
               <a:rPr lang="en-GB" smtClean="0"/>
-              <a:t>11/11/2018</a:t>
+              <a:t>12/11/2018</a:t>
             </a:fld>
             <a:endParaRPr lang="en-GB"/>
           </a:p>
@@ -1228,7 +1228,7 @@
           <a:p>
             <a:fld id="{6BE45214-D4A0-4813-8B6B-010D3C61B6E3}" type="datetimeFigureOut">
               <a:rPr lang="en-GB" smtClean="0"/>
-              <a:t>11/11/2018</a:t>
+              <a:t>12/11/2018</a:t>
             </a:fld>
             <a:endParaRPr lang="en-GB"/>
           </a:p>
@@ -1597,7 +1597,7 @@
           <a:p>
             <a:fld id="{6BE45214-D4A0-4813-8B6B-010D3C61B6E3}" type="datetimeFigureOut">
               <a:rPr lang="en-GB" smtClean="0"/>
-              <a:t>11/11/2018</a:t>
+              <a:t>12/11/2018</a:t>
             </a:fld>
             <a:endParaRPr lang="en-GB"/>
           </a:p>
@@ -1752,7 +1752,7 @@
           <a:ln/>
           <a:extLst>
             <a:ext uri="{91240B29-F687-4f45-9708-019B960494DF}">
-              <a14:hiddenLine xmlns:a14="http://schemas.microsoft.com/office/drawing/2010/main" xmlns="" w="9525">
+              <a14:hiddenLine xmlns="" xmlns:a14="http://schemas.microsoft.com/office/drawing/2010/main" w="9525">
                 <a:solidFill>
                   <a:srgbClr val="000000"/>
                 </a:solidFill>
@@ -1870,7 +1870,7 @@
           <a:p>
             <a:fld id="{6BE45214-D4A0-4813-8B6B-010D3C61B6E3}" type="datetimeFigureOut">
               <a:rPr lang="en-GB" smtClean="0"/>
-              <a:t>11/11/2018</a:t>
+              <a:t>12/11/2018</a:t>
             </a:fld>
             <a:endParaRPr lang="en-GB"/>
           </a:p>
@@ -2027,7 +2027,7 @@
           <a:ln/>
           <a:extLst>
             <a:ext uri="{91240B29-F687-4f45-9708-019B960494DF}">
-              <a14:hiddenLine xmlns:a14="http://schemas.microsoft.com/office/drawing/2010/main" xmlns="" w="9525">
+              <a14:hiddenLine xmlns="" xmlns:a14="http://schemas.microsoft.com/office/drawing/2010/main" w="9525">
                 <a:solidFill>
                   <a:srgbClr val="000000"/>
                 </a:solidFill>
@@ -2155,7 +2155,7 @@
           <a:p>
             <a:fld id="{6BE45214-D4A0-4813-8B6B-010D3C61B6E3}" type="datetimeFigureOut">
               <a:rPr lang="en-GB" smtClean="0"/>
-              <a:t>11/11/2018</a:t>
+              <a:t>12/11/2018</a:t>
             </a:fld>
             <a:endParaRPr lang="en-GB"/>
           </a:p>
@@ -2315,7 +2315,7 @@
           <a:ln/>
           <a:extLst>
             <a:ext uri="{91240B29-F687-4f45-9708-019B960494DF}">
-              <a14:hiddenLine xmlns:a14="http://schemas.microsoft.com/office/drawing/2010/main" xmlns="" w="9525">
+              <a14:hiddenLine xmlns="" xmlns:a14="http://schemas.microsoft.com/office/drawing/2010/main" w="9525">
                 <a:solidFill>
                   <a:srgbClr val="000000"/>
                 </a:solidFill>
@@ -2443,7 +2443,7 @@
           <a:p>
             <a:fld id="{6BE45214-D4A0-4813-8B6B-010D3C61B6E3}" type="datetimeFigureOut">
               <a:rPr lang="en-GB" smtClean="0"/>
-              <a:t>11/11/2018</a:t>
+              <a:t>12/11/2018</a:t>
             </a:fld>
             <a:endParaRPr lang="en-GB"/>
           </a:p>
@@ -2786,7 +2786,7 @@
           <a:p>
             <a:fld id="{6BE45214-D4A0-4813-8B6B-010D3C61B6E3}" type="datetimeFigureOut">
               <a:rPr lang="en-GB" smtClean="0"/>
-              <a:t>11/11/2018</a:t>
+              <a:t>12/11/2018</a:t>
             </a:fld>
             <a:endParaRPr lang="en-GB"/>
           </a:p>
@@ -2946,7 +2946,7 @@
           <a:ln/>
           <a:extLst>
             <a:ext uri="{91240B29-F687-4f45-9708-019B960494DF}">
-              <a14:hiddenLine xmlns:a14="http://schemas.microsoft.com/office/drawing/2010/main" xmlns="" w="9525">
+              <a14:hiddenLine xmlns="" xmlns:a14="http://schemas.microsoft.com/office/drawing/2010/main" w="9525">
                 <a:solidFill>
                   <a:srgbClr val="000000"/>
                 </a:solidFill>
@@ -3130,7 +3130,7 @@
           <a:p>
             <a:fld id="{6BE45214-D4A0-4813-8B6B-010D3C61B6E3}" type="datetimeFigureOut">
               <a:rPr lang="en-GB" smtClean="0"/>
-              <a:t>11/11/2018</a:t>
+              <a:t>12/11/2018</a:t>
             </a:fld>
             <a:endParaRPr lang="en-GB"/>
           </a:p>
@@ -3285,7 +3285,7 @@
           <a:ln/>
           <a:extLst>
             <a:ext uri="{91240B29-F687-4f45-9708-019B960494DF}">
-              <a14:hiddenLine xmlns:a14="http://schemas.microsoft.com/office/drawing/2010/main" xmlns="" w="9525">
+              <a14:hiddenLine xmlns="" xmlns:a14="http://schemas.microsoft.com/office/drawing/2010/main" w="9525">
                 <a:solidFill>
                   <a:srgbClr val="000000"/>
                 </a:solidFill>
@@ -3607,7 +3607,7 @@
           <a:p>
             <a:fld id="{6BE45214-D4A0-4813-8B6B-010D3C61B6E3}" type="datetimeFigureOut">
               <a:rPr lang="en-GB" smtClean="0"/>
-              <a:t>11/11/2018</a:t>
+              <a:t>12/11/2018</a:t>
             </a:fld>
             <a:endParaRPr lang="en-GB"/>
           </a:p>
@@ -3762,7 +3762,7 @@
           <a:ln/>
           <a:extLst>
             <a:ext uri="{91240B29-F687-4f45-9708-019B960494DF}">
-              <a14:hiddenLine xmlns:a14="http://schemas.microsoft.com/office/drawing/2010/main" xmlns="" w="9525">
+              <a14:hiddenLine xmlns="" xmlns:a14="http://schemas.microsoft.com/office/drawing/2010/main" w="9525">
                 <a:solidFill>
                   <a:srgbClr val="000000"/>
                 </a:solidFill>
@@ -3828,7 +3828,7 @@
           <a:p>
             <a:fld id="{6BE45214-D4A0-4813-8B6B-010D3C61B6E3}" type="datetimeFigureOut">
               <a:rPr lang="en-GB" smtClean="0"/>
-              <a:t>11/11/2018</a:t>
+              <a:t>12/11/2018</a:t>
             </a:fld>
             <a:endParaRPr lang="en-GB"/>
           </a:p>
@@ -3923,7 +3923,7 @@
           <a:p>
             <a:fld id="{6BE45214-D4A0-4813-8B6B-010D3C61B6E3}" type="datetimeFigureOut">
               <a:rPr lang="en-GB" smtClean="0"/>
-              <a:t>11/11/2018</a:t>
+              <a:t>12/11/2018</a:t>
             </a:fld>
             <a:endParaRPr lang="en-GB"/>
           </a:p>
@@ -4191,7 +4191,7 @@
           <a:ln/>
           <a:extLst>
             <a:ext uri="{91240B29-F687-4f45-9708-019B960494DF}">
-              <a14:hiddenLine xmlns:a14="http://schemas.microsoft.com/office/drawing/2010/main" xmlns="" w="9525">
+              <a14:hiddenLine xmlns="" xmlns:a14="http://schemas.microsoft.com/office/drawing/2010/main" w="9525">
                 <a:solidFill>
                   <a:srgbClr val="000000"/>
                 </a:solidFill>
@@ -4390,7 +4390,7 @@
           <a:p>
             <a:fld id="{6BE45214-D4A0-4813-8B6B-010D3C61B6E3}" type="datetimeFigureOut">
               <a:rPr lang="en-GB" smtClean="0"/>
-              <a:t>11/11/2018</a:t>
+              <a:t>12/11/2018</a:t>
             </a:fld>
             <a:endParaRPr lang="en-GB"/>
           </a:p>
@@ -4703,7 +4703,7 @@
           <a:p>
             <a:fld id="{6BE45214-D4A0-4813-8B6B-010D3C61B6E3}" type="datetimeFigureOut">
               <a:rPr lang="en-GB" smtClean="0"/>
-              <a:t>11/11/2018</a:t>
+              <a:t>12/11/2018</a:t>
             </a:fld>
             <a:endParaRPr lang="en-GB"/>
           </a:p>
@@ -4973,7 +4973,7 @@
           <a:p>
             <a:fld id="{6BE45214-D4A0-4813-8B6B-010D3C61B6E3}" type="datetimeFigureOut">
               <a:rPr lang="en-GB" smtClean="0"/>
-              <a:t>11/11/2018</a:t>
+              <a:t>12/11/2018</a:t>
             </a:fld>
             <a:endParaRPr lang="en-GB"/>
           </a:p>
@@ -6311,7 +6311,15 @@
           <a:p>
             <a:r>
               <a:rPr lang="en-GB" sz="2800" b="1" dirty="0"/>
-              <a:t>1 in 10 chance of a STAT                                          increasing when pets are bred</a:t>
+              <a:t>1 in 10 chance of a </a:t>
+            </a:r>
+            <a:r>
+              <a:rPr lang="en-GB" sz="2800" b="1"/>
+              <a:t>STAT Affinity                                          </a:t>
+            </a:r>
+            <a:r>
+              <a:rPr lang="en-GB" sz="2800" b="1" dirty="0"/>
+              <a:t>increasing when pets are bred</a:t>
             </a:r>
           </a:p>
           <a:p>
@@ -8197,7 +8205,10 @@
           <a:bodyPr/>
           <a:lstStyle/>
           <a:p>
-            <a:endParaRPr lang="en-GB"/>
+            <a:endParaRPr lang="en-GB" dirty="0"/>
+          </a:p>
+          <a:p>
+            <a:endParaRPr lang="en-GB" dirty="0"/>
           </a:p>
         </p:txBody>
       </p:sp>
